--- a/142-Ridho-Mayo Tahapan Analisis Data Capstone Project .pptx
+++ b/142-Ridho-Mayo Tahapan Analisis Data Capstone Project .pptx
@@ -5,7 +5,7 @@
     <p:sldMasterId id="2147483648" r:id="rId1"/>
   </p:sldMasterIdLst>
   <p:notesMasterIdLst>
-    <p:notesMasterId r:id="rId9"/>
+    <p:notesMasterId r:id="rId11"/>
   </p:notesMasterIdLst>
   <p:sldIdLst>
     <p:sldId id="256" r:id="rId2"/>
@@ -13,8 +13,10 @@
     <p:sldId id="258" r:id="rId4"/>
     <p:sldId id="259" r:id="rId5"/>
     <p:sldId id="262" r:id="rId6"/>
-    <p:sldId id="260" r:id="rId7"/>
-    <p:sldId id="261" r:id="rId8"/>
+    <p:sldId id="263" r:id="rId7"/>
+    <p:sldId id="264" r:id="rId8"/>
+    <p:sldId id="260" r:id="rId9"/>
+    <p:sldId id="261" r:id="rId10"/>
   </p:sldIdLst>
   <p:sldSz cx="12192000" cy="6858000"/>
   <p:notesSz cx="6858000" cy="9144000"/>
@@ -249,7 +251,7 @@
   </p:defaultTextStyle>
   <p:extLst>
     <p:ext uri="http://customooxmlschemas.google.com/">
-      <go:slidesCustomData xmlns:go="http://customooxmlschemas.google.com/" xmlns:ahyp="http://schemas.microsoft.com/office/drawing/2018/hyperlinkcolor" xmlns:p15="http://schemas.microsoft.com/office/powerpoint/2012/main" xmlns:p14="http://schemas.microsoft.com/office/powerpoint/2010/main" xmlns:com="http://schemas.openxmlformats.org/drawingml/2006/compatibility" xmlns:pvml="urn:schemas-microsoft-com:office:powerpoint" xmlns:v="urn:schemas-microsoft-com:vml" xmlns:o="urn:schemas-microsoft-com:office:office" xmlns:dgm="http://schemas.openxmlformats.org/drawingml/2006/diagram" xmlns:c="http://schemas.openxmlformats.org/drawingml/2006/chart" xmlns:mv="urn:schemas-microsoft-com:mac:vml" xmlns:mc="http://schemas.openxmlformats.org/markup-compatibility/2006" xmlns="" r:id="rId11" roundtripDataSignature="AMtx7mhon7ArKsaRZIM0NJvBwiWMnxHvyg=="/>
+      <go:slidesCustomData xmlns:go="http://customooxmlschemas.google.com/" xmlns:ahyp="http://schemas.microsoft.com/office/drawing/2018/hyperlinkcolor" xmlns:p15="http://schemas.microsoft.com/office/powerpoint/2012/main" xmlns:p14="http://schemas.microsoft.com/office/powerpoint/2010/main" xmlns:com="http://schemas.openxmlformats.org/drawingml/2006/compatibility" xmlns:pvml="urn:schemas-microsoft-com:office:powerpoint" xmlns:v="urn:schemas-microsoft-com:vml" xmlns:o="urn:schemas-microsoft-com:office:office" xmlns:dgm="http://schemas.openxmlformats.org/drawingml/2006/diagram" xmlns:c="http://schemas.openxmlformats.org/drawingml/2006/chart" xmlns:mv="urn:schemas-microsoft-com:mac:vml" xmlns:mc="http://schemas.openxmlformats.org/markup-compatibility/2006" xmlns="" r:id="rId12" roundtripDataSignature="AMtx7mhon7ArKsaRZIM0NJvBwiWMnxHvyg=="/>
     </p:ext>
   </p:extLst>
 </p:presentation>
@@ -1379,6 +1381,224 @@
   <p:cSld>
     <p:spTree>
       <p:nvGrpSpPr>
+        <p:cNvPr id="1" name="Shape 106"/>
+        <p:cNvGrpSpPr/>
+        <p:nvPr/>
+      </p:nvGrpSpPr>
+      <p:grpSpPr>
+        <a:xfrm>
+          <a:off x="0" y="0"/>
+          <a:ext cx="0" cy="0"/>
+          <a:chOff x="0" y="0"/>
+          <a:chExt cx="0" cy="0"/>
+        </a:xfrm>
+      </p:grpSpPr>
+      <p:sp>
+        <p:nvSpPr>
+          <p:cNvPr id="107" name="Google Shape;107;gf408cc10d1_0_12:notes"/>
+          <p:cNvSpPr>
+            <a:spLocks noGrp="1" noRot="1" noChangeAspect="1"/>
+          </p:cNvSpPr>
+          <p:nvPr>
+            <p:ph type="sldImg" idx="2"/>
+          </p:nvPr>
+        </p:nvSpPr>
+        <p:spPr>
+          <a:xfrm>
+            <a:off x="381000" y="685800"/>
+            <a:ext cx="6096000" cy="3429000"/>
+          </a:xfrm>
+          <a:custGeom>
+            <a:avLst/>
+            <a:gdLst/>
+            <a:ahLst/>
+            <a:cxnLst/>
+            <a:rect l="l" t="t" r="r" b="b"/>
+            <a:pathLst>
+              <a:path w="120000" h="120000" extrusionOk="0">
+                <a:moveTo>
+                  <a:pt x="0" y="0"/>
+                </a:moveTo>
+                <a:lnTo>
+                  <a:pt x="120000" y="0"/>
+                </a:lnTo>
+                <a:lnTo>
+                  <a:pt x="120000" y="120000"/>
+                </a:lnTo>
+                <a:lnTo>
+                  <a:pt x="0" y="120000"/>
+                </a:lnTo>
+                <a:close/>
+              </a:path>
+            </a:pathLst>
+          </a:custGeom>
+        </p:spPr>
+      </p:sp>
+      <p:sp>
+        <p:nvSpPr>
+          <p:cNvPr id="108" name="Google Shape;108;gf408cc10d1_0_12:notes"/>
+          <p:cNvSpPr txBox="1">
+            <a:spLocks noGrp="1"/>
+          </p:cNvSpPr>
+          <p:nvPr>
+            <p:ph type="body" idx="1"/>
+          </p:nvPr>
+        </p:nvSpPr>
+        <p:spPr>
+          <a:xfrm>
+            <a:off x="685800" y="4343400"/>
+            <a:ext cx="5486400" cy="4114800"/>
+          </a:xfrm>
+          <a:prstGeom prst="rect">
+            <a:avLst/>
+          </a:prstGeom>
+        </p:spPr>
+        <p:txBody>
+          <a:bodyPr spcFirstLastPara="1" wrap="square" lIns="91425" tIns="91425" rIns="91425" bIns="91425" anchor="t" anchorCtr="0">
+            <a:noAutofit/>
+          </a:bodyPr>
+          <a:lstStyle/>
+          <a:p>
+            <a:pPr marL="0" lvl="0" indent="0" algn="l" rtl="0">
+              <a:spcBef>
+                <a:spcPts val="0"/>
+              </a:spcBef>
+              <a:spcAft>
+                <a:spcPts val="0"/>
+              </a:spcAft>
+              <a:buNone/>
+            </a:pPr>
+            <a:endParaRPr/>
+          </a:p>
+        </p:txBody>
+      </p:sp>
+    </p:spTree>
+    <p:extLst>
+      <p:ext uri="{BB962C8B-B14F-4D97-AF65-F5344CB8AC3E}">
+        <p14:creationId xmlns:p14="http://schemas.microsoft.com/office/powerpoint/2010/main" val="1433006246"/>
+      </p:ext>
+    </p:extLst>
+  </p:cSld>
+  <p:clrMapOvr>
+    <a:masterClrMapping/>
+  </p:clrMapOvr>
+</p:notes>
+</file>
+
+<file path=ppt/notesSlides/notesSlide7.xml><?xml version="1.0" encoding="utf-8"?>
+<p:notes xmlns:a="http://schemas.openxmlformats.org/drawingml/2006/main" xmlns:r="http://schemas.openxmlformats.org/officeDocument/2006/relationships" xmlns:p="http://schemas.openxmlformats.org/presentationml/2006/main" showMasterSp="0" showMasterPhAnim="0">
+  <p:cSld>
+    <p:spTree>
+      <p:nvGrpSpPr>
+        <p:cNvPr id="1" name="Shape 106"/>
+        <p:cNvGrpSpPr/>
+        <p:nvPr/>
+      </p:nvGrpSpPr>
+      <p:grpSpPr>
+        <a:xfrm>
+          <a:off x="0" y="0"/>
+          <a:ext cx="0" cy="0"/>
+          <a:chOff x="0" y="0"/>
+          <a:chExt cx="0" cy="0"/>
+        </a:xfrm>
+      </p:grpSpPr>
+      <p:sp>
+        <p:nvSpPr>
+          <p:cNvPr id="107" name="Google Shape;107;gf408cc10d1_0_12:notes"/>
+          <p:cNvSpPr>
+            <a:spLocks noGrp="1" noRot="1" noChangeAspect="1"/>
+          </p:cNvSpPr>
+          <p:nvPr>
+            <p:ph type="sldImg" idx="2"/>
+          </p:nvPr>
+        </p:nvSpPr>
+        <p:spPr>
+          <a:xfrm>
+            <a:off x="381000" y="685800"/>
+            <a:ext cx="6096000" cy="3429000"/>
+          </a:xfrm>
+          <a:custGeom>
+            <a:avLst/>
+            <a:gdLst/>
+            <a:ahLst/>
+            <a:cxnLst/>
+            <a:rect l="l" t="t" r="r" b="b"/>
+            <a:pathLst>
+              <a:path w="120000" h="120000" extrusionOk="0">
+                <a:moveTo>
+                  <a:pt x="0" y="0"/>
+                </a:moveTo>
+                <a:lnTo>
+                  <a:pt x="120000" y="0"/>
+                </a:lnTo>
+                <a:lnTo>
+                  <a:pt x="120000" y="120000"/>
+                </a:lnTo>
+                <a:lnTo>
+                  <a:pt x="0" y="120000"/>
+                </a:lnTo>
+                <a:close/>
+              </a:path>
+            </a:pathLst>
+          </a:custGeom>
+        </p:spPr>
+      </p:sp>
+      <p:sp>
+        <p:nvSpPr>
+          <p:cNvPr id="108" name="Google Shape;108;gf408cc10d1_0_12:notes"/>
+          <p:cNvSpPr txBox="1">
+            <a:spLocks noGrp="1"/>
+          </p:cNvSpPr>
+          <p:nvPr>
+            <p:ph type="body" idx="1"/>
+          </p:nvPr>
+        </p:nvSpPr>
+        <p:spPr>
+          <a:xfrm>
+            <a:off x="685800" y="4343400"/>
+            <a:ext cx="5486400" cy="4114800"/>
+          </a:xfrm>
+          <a:prstGeom prst="rect">
+            <a:avLst/>
+          </a:prstGeom>
+        </p:spPr>
+        <p:txBody>
+          <a:bodyPr spcFirstLastPara="1" wrap="square" lIns="91425" tIns="91425" rIns="91425" bIns="91425" anchor="t" anchorCtr="0">
+            <a:noAutofit/>
+          </a:bodyPr>
+          <a:lstStyle/>
+          <a:p>
+            <a:pPr marL="0" lvl="0" indent="0" algn="l" rtl="0">
+              <a:spcBef>
+                <a:spcPts val="0"/>
+              </a:spcBef>
+              <a:spcAft>
+                <a:spcPts val="0"/>
+              </a:spcAft>
+              <a:buNone/>
+            </a:pPr>
+            <a:endParaRPr/>
+          </a:p>
+        </p:txBody>
+      </p:sp>
+    </p:spTree>
+    <p:extLst>
+      <p:ext uri="{BB962C8B-B14F-4D97-AF65-F5344CB8AC3E}">
+        <p14:creationId xmlns:p14="http://schemas.microsoft.com/office/powerpoint/2010/main" val="1088130392"/>
+      </p:ext>
+    </p:extLst>
+  </p:cSld>
+  <p:clrMapOvr>
+    <a:masterClrMapping/>
+  </p:clrMapOvr>
+</p:notes>
+</file>
+
+<file path=ppt/notesSlides/notesSlide8.xml><?xml version="1.0" encoding="utf-8"?>
+<p:notes xmlns:a="http://schemas.openxmlformats.org/drawingml/2006/main" xmlns:r="http://schemas.openxmlformats.org/officeDocument/2006/relationships" xmlns:p="http://schemas.openxmlformats.org/presentationml/2006/main" showMasterSp="0" showMasterPhAnim="0">
+  <p:cSld>
+    <p:spTree>
+      <p:nvGrpSpPr>
         <p:cNvPr id="1" name="Shape 112"/>
         <p:cNvGrpSpPr/>
         <p:nvPr/>
@@ -1403,8 +1623,8 @@
         </p:nvSpPr>
         <p:spPr>
           <a:xfrm>
-            <a:off x="1143225" y="685800"/>
-            <a:ext cx="4572300" cy="3429000"/>
+            <a:off x="381000" y="685800"/>
+            <a:ext cx="6096000" cy="3429000"/>
           </a:xfrm>
           <a:custGeom>
             <a:avLst/>
@@ -1478,7 +1698,7 @@
 </p:notes>
 </file>
 
-<file path=ppt/notesSlides/notesSlide7.xml><?xml version="1.0" encoding="utf-8"?>
+<file path=ppt/notesSlides/notesSlide9.xml><?xml version="1.0" encoding="utf-8"?>
 <p:notes xmlns:a="http://schemas.openxmlformats.org/drawingml/2006/main" xmlns:r="http://schemas.openxmlformats.org/officeDocument/2006/relationships" xmlns:p="http://schemas.openxmlformats.org/presentationml/2006/main" showMasterSp="0" showMasterPhAnim="0">
   <p:cSld>
     <p:spTree>
@@ -17271,6 +17491,126 @@
   <p:cSld>
     <p:spTree>
       <p:nvGrpSpPr>
+        <p:cNvPr id="1" name="Shape 109"/>
+        <p:cNvGrpSpPr/>
+        <p:nvPr/>
+      </p:nvGrpSpPr>
+      <p:grpSpPr>
+        <a:xfrm>
+          <a:off x="0" y="0"/>
+          <a:ext cx="0" cy="0"/>
+          <a:chOff x="0" y="0"/>
+          <a:chExt cx="0" cy="0"/>
+        </a:xfrm>
+      </p:grpSpPr>
+      <p:pic>
+        <p:nvPicPr>
+          <p:cNvPr id="8" name="Picture 7">
+            <a:extLst>
+              <a:ext uri="{FF2B5EF4-FFF2-40B4-BE49-F238E27FC236}">
+                <a16:creationId xmlns:a16="http://schemas.microsoft.com/office/drawing/2014/main" id="{CF25B626-53E9-14DA-583D-C5C342B20A38}"/>
+              </a:ext>
+            </a:extLst>
+          </p:cNvPr>
+          <p:cNvPicPr>
+            <a:picLocks noChangeAspect="1"/>
+          </p:cNvPicPr>
+          <p:nvPr/>
+        </p:nvPicPr>
+        <p:blipFill>
+          <a:blip r:embed="rId3"/>
+          <a:stretch>
+            <a:fillRect/>
+          </a:stretch>
+        </p:blipFill>
+        <p:spPr>
+          <a:xfrm>
+            <a:off x="714538" y="980559"/>
+            <a:ext cx="10578895" cy="5366107"/>
+          </a:xfrm>
+          <a:prstGeom prst="rect">
+            <a:avLst/>
+          </a:prstGeom>
+        </p:spPr>
+      </p:pic>
+    </p:spTree>
+    <p:extLst>
+      <p:ext uri="{BB962C8B-B14F-4D97-AF65-F5344CB8AC3E}">
+        <p14:creationId xmlns:p14="http://schemas.microsoft.com/office/powerpoint/2010/main" val="359574912"/>
+      </p:ext>
+    </p:extLst>
+  </p:cSld>
+  <p:clrMapOvr>
+    <a:masterClrMapping/>
+  </p:clrMapOvr>
+</p:sld>
+</file>
+
+<file path=ppt/slides/slide7.xml><?xml version="1.0" encoding="utf-8"?>
+<p:sld xmlns:a="http://schemas.openxmlformats.org/drawingml/2006/main" xmlns:r="http://schemas.openxmlformats.org/officeDocument/2006/relationships" xmlns:p="http://schemas.openxmlformats.org/presentationml/2006/main">
+  <p:cSld>
+    <p:spTree>
+      <p:nvGrpSpPr>
+        <p:cNvPr id="1" name="Shape 109"/>
+        <p:cNvGrpSpPr/>
+        <p:nvPr/>
+      </p:nvGrpSpPr>
+      <p:grpSpPr>
+        <a:xfrm>
+          <a:off x="0" y="0"/>
+          <a:ext cx="0" cy="0"/>
+          <a:chOff x="0" y="0"/>
+          <a:chExt cx="0" cy="0"/>
+        </a:xfrm>
+      </p:grpSpPr>
+      <p:pic>
+        <p:nvPicPr>
+          <p:cNvPr id="3" name="Picture 2">
+            <a:extLst>
+              <a:ext uri="{FF2B5EF4-FFF2-40B4-BE49-F238E27FC236}">
+                <a16:creationId xmlns:a16="http://schemas.microsoft.com/office/drawing/2014/main" id="{19C87170-3F13-05D5-53EB-C155F2E8E847}"/>
+              </a:ext>
+            </a:extLst>
+          </p:cNvPr>
+          <p:cNvPicPr>
+            <a:picLocks noChangeAspect="1"/>
+          </p:cNvPicPr>
+          <p:nvPr/>
+        </p:nvPicPr>
+        <p:blipFill>
+          <a:blip r:embed="rId3"/>
+          <a:stretch>
+            <a:fillRect/>
+          </a:stretch>
+        </p:blipFill>
+        <p:spPr>
+          <a:xfrm>
+            <a:off x="697018" y="1044423"/>
+            <a:ext cx="8660739" cy="5611695"/>
+          </a:xfrm>
+          <a:prstGeom prst="rect">
+            <a:avLst/>
+          </a:prstGeom>
+        </p:spPr>
+      </p:pic>
+    </p:spTree>
+    <p:extLst>
+      <p:ext uri="{BB962C8B-B14F-4D97-AF65-F5344CB8AC3E}">
+        <p14:creationId xmlns:p14="http://schemas.microsoft.com/office/powerpoint/2010/main" val="1616036571"/>
+      </p:ext>
+    </p:extLst>
+  </p:cSld>
+  <p:clrMapOvr>
+    <a:masterClrMapping/>
+  </p:clrMapOvr>
+</p:sld>
+</file>
+
+<file path=ppt/slides/slide8.xml><?xml version="1.0" encoding="utf-8"?>
+<p:sld xmlns:a="http://schemas.openxmlformats.org/drawingml/2006/main" xmlns:r="http://schemas.openxmlformats.org/officeDocument/2006/relationships" xmlns:p="http://schemas.openxmlformats.org/presentationml/2006/main">
+  <p:cSld>
+    <p:spTree>
+      <p:nvGrpSpPr>
         <p:cNvPr id="1" name="Shape 115"/>
         <p:cNvGrpSpPr/>
         <p:nvPr/>
@@ -17337,8 +17677,8 @@
         </p:nvSpPr>
         <p:spPr>
           <a:xfrm>
-            <a:off x="838200" y="2206625"/>
-            <a:ext cx="10515600" cy="4351200"/>
+            <a:off x="838200" y="1805049"/>
+            <a:ext cx="5257800" cy="4752775"/>
           </a:xfrm>
           <a:prstGeom prst="rect">
             <a:avLst/>
@@ -17364,21 +17704,339 @@
               <a:buAutoNum type="arabicPeriod"/>
             </a:pPr>
             <a:r>
-              <a:rPr lang="en-US" sz="2000">
+              <a:rPr lang="id-ID" sz="1600" dirty="0">
                 <a:solidFill>
                   <a:srgbClr val="000000"/>
                 </a:solidFill>
                 <a:latin typeface="Arial"/>
-                <a:ea typeface="Arial"/>
                 <a:cs typeface="Arial"/>
                 <a:sym typeface="Arial"/>
               </a:rPr>
-              <a:t>Jelaskan insight yang dapat diambil dari proses pengolahan data yang disesuaikan dengan topik yang dipilih.</a:t>
+              <a:t>Helix </a:t>
             </a:r>
-            <a:endParaRPr/>
+            <a:r>
+              <a:rPr lang="id-ID" sz="1600" b="1" dirty="0">
+                <a:solidFill>
+                  <a:srgbClr val="000000"/>
+                </a:solidFill>
+                <a:latin typeface="Arial"/>
+                <a:cs typeface="Arial"/>
+                <a:sym typeface="Arial"/>
+              </a:rPr>
+              <a:t>baru dikenal </a:t>
+            </a:r>
+            <a:r>
+              <a:rPr lang="id-ID" sz="1600" dirty="0">
+                <a:solidFill>
+                  <a:srgbClr val="000000"/>
+                </a:solidFill>
+                <a:latin typeface="Arial"/>
+                <a:cs typeface="Arial"/>
+                <a:sym typeface="Arial"/>
+              </a:rPr>
+              <a:t>di bulan Mei 2021 ketika kasus Covid meningkat</a:t>
+            </a:r>
+          </a:p>
+          <a:p>
+            <a:pPr marL="457200" lvl="0" indent="-355600" algn="l" rtl="0">
+              <a:spcBef>
+                <a:spcPts val="0"/>
+              </a:spcBef>
+              <a:spcAft>
+                <a:spcPts val="0"/>
+              </a:spcAft>
+              <a:buClr>
+                <a:srgbClr val="000000"/>
+              </a:buClr>
+              <a:buSzPts val="2000"/>
+              <a:buAutoNum type="arabicPeriod"/>
+            </a:pPr>
+            <a:endParaRPr lang="id-ID" sz="1600" dirty="0">
+              <a:solidFill>
+                <a:srgbClr val="000000"/>
+              </a:solidFill>
+              <a:latin typeface="Arial"/>
+              <a:cs typeface="Arial"/>
+              <a:sym typeface="Arial"/>
+            </a:endParaRPr>
+          </a:p>
+          <a:p>
+            <a:pPr marL="457200" lvl="0" indent="-355600" algn="l" rtl="0">
+              <a:spcBef>
+                <a:spcPts val="0"/>
+              </a:spcBef>
+              <a:spcAft>
+                <a:spcPts val="0"/>
+              </a:spcAft>
+              <a:buClr>
+                <a:srgbClr val="000000"/>
+              </a:buClr>
+              <a:buSzPts val="2000"/>
+              <a:buAutoNum type="arabicPeriod"/>
+            </a:pPr>
+            <a:r>
+              <a:rPr lang="id-ID" sz="1600" dirty="0">
+                <a:solidFill>
+                  <a:srgbClr val="000000"/>
+                </a:solidFill>
+                <a:latin typeface="Arial"/>
+                <a:cs typeface="Arial"/>
+                <a:sym typeface="Arial"/>
+              </a:rPr>
+              <a:t>Perkembangan jumlah pengunjung Helix Lab &amp; Klinik ditentukan oleh kunjungan </a:t>
+            </a:r>
+            <a:r>
+              <a:rPr lang="id-ID" sz="1600" b="1" dirty="0">
+                <a:solidFill>
+                  <a:srgbClr val="000000"/>
+                </a:solidFill>
+                <a:latin typeface="Arial"/>
+                <a:cs typeface="Arial"/>
+                <a:sym typeface="Arial"/>
+              </a:rPr>
+              <a:t>pemeriksaan Antigen SARS</a:t>
+            </a:r>
+            <a:r>
+              <a:rPr lang="id-ID" sz="1600" dirty="0">
+                <a:solidFill>
+                  <a:srgbClr val="000000"/>
+                </a:solidFill>
+                <a:latin typeface="Arial"/>
+                <a:cs typeface="Arial"/>
+                <a:sym typeface="Arial"/>
+              </a:rPr>
+              <a:t> </a:t>
+            </a:r>
+            <a:r>
+              <a:rPr lang="id-ID" sz="1600" b="1" dirty="0">
+                <a:solidFill>
+                  <a:srgbClr val="000000"/>
+                </a:solidFill>
+                <a:latin typeface="Arial"/>
+                <a:cs typeface="Arial"/>
+                <a:sym typeface="Arial"/>
+              </a:rPr>
+              <a:t>Cov-2 </a:t>
+            </a:r>
+            <a:r>
+              <a:rPr lang="id-ID" sz="1600" dirty="0">
+                <a:solidFill>
+                  <a:srgbClr val="000000"/>
+                </a:solidFill>
+                <a:latin typeface="Arial"/>
+                <a:cs typeface="Arial"/>
+                <a:sym typeface="Arial"/>
+              </a:rPr>
+              <a:t>dan PCR(dinamai ‘hasil’).</a:t>
+            </a:r>
+          </a:p>
+          <a:p>
+            <a:pPr marL="457200" lvl="0" indent="-355600" algn="l" rtl="0">
+              <a:spcBef>
+                <a:spcPts val="0"/>
+              </a:spcBef>
+              <a:spcAft>
+                <a:spcPts val="0"/>
+              </a:spcAft>
+              <a:buClr>
+                <a:srgbClr val="000000"/>
+              </a:buClr>
+              <a:buSzPts val="2000"/>
+              <a:buAutoNum type="arabicPeriod"/>
+            </a:pPr>
+            <a:r>
+              <a:rPr lang="id-ID" sz="1600" dirty="0">
+                <a:solidFill>
+                  <a:srgbClr val="000000"/>
+                </a:solidFill>
+                <a:latin typeface="Arial"/>
+                <a:cs typeface="Arial"/>
+                <a:sym typeface="Arial"/>
+              </a:rPr>
+              <a:t>Kenaikan jumlah kasus Covid pada januari dan februari 2022 oleh </a:t>
+            </a:r>
+            <a:r>
+              <a:rPr lang="id-ID" sz="1600" b="1" dirty="0">
+                <a:solidFill>
+                  <a:srgbClr val="000000"/>
+                </a:solidFill>
+                <a:latin typeface="Arial"/>
+                <a:cs typeface="Arial"/>
+                <a:sym typeface="Arial"/>
+              </a:rPr>
+              <a:t>karena varian baru Omicron </a:t>
+            </a:r>
+            <a:r>
+              <a:rPr lang="id-ID" sz="1600" dirty="0">
+                <a:solidFill>
+                  <a:srgbClr val="000000"/>
+                </a:solidFill>
+                <a:latin typeface="Arial"/>
+                <a:cs typeface="Arial"/>
+                <a:sym typeface="Arial"/>
+              </a:rPr>
+              <a:t>menyebabkan lebih banyak pengunjung datang ke Helix Lab &amp; Klinik.</a:t>
+            </a:r>
+          </a:p>
+          <a:p>
+            <a:pPr marL="457200" lvl="0" indent="-355600" algn="l" rtl="0">
+              <a:spcBef>
+                <a:spcPts val="0"/>
+              </a:spcBef>
+              <a:spcAft>
+                <a:spcPts val="0"/>
+              </a:spcAft>
+              <a:buClr>
+                <a:srgbClr val="000000"/>
+              </a:buClr>
+              <a:buSzPts val="2000"/>
+              <a:buAutoNum type="arabicPeriod"/>
+            </a:pPr>
+            <a:r>
+              <a:rPr lang="id-ID" sz="1600" dirty="0">
+                <a:solidFill>
+                  <a:srgbClr val="000000"/>
+                </a:solidFill>
+                <a:latin typeface="Arial"/>
+                <a:cs typeface="Arial"/>
+                <a:sym typeface="Arial"/>
+              </a:rPr>
+              <a:t>Penurunan kasus Covid setelah maret 2022, menurun pula jumlah kunjungan.</a:t>
+            </a:r>
+          </a:p>
+          <a:p>
+            <a:pPr marL="457200" lvl="0" indent="-355600" algn="l" rtl="0">
+              <a:spcBef>
+                <a:spcPts val="0"/>
+              </a:spcBef>
+              <a:spcAft>
+                <a:spcPts val="0"/>
+              </a:spcAft>
+              <a:buClr>
+                <a:srgbClr val="000000"/>
+              </a:buClr>
+              <a:buSzPts val="2000"/>
+              <a:buAutoNum type="arabicPeriod"/>
+            </a:pPr>
+            <a:endParaRPr lang="id-ID" sz="1600" dirty="0">
+              <a:solidFill>
+                <a:srgbClr val="000000"/>
+              </a:solidFill>
+              <a:latin typeface="Arial"/>
+              <a:cs typeface="Arial"/>
+              <a:sym typeface="Arial"/>
+            </a:endParaRPr>
+          </a:p>
+          <a:p>
+            <a:pPr marL="457200" lvl="0" indent="-355600" algn="l" rtl="0">
+              <a:spcBef>
+                <a:spcPts val="0"/>
+              </a:spcBef>
+              <a:spcAft>
+                <a:spcPts val="0"/>
+              </a:spcAft>
+              <a:buClr>
+                <a:srgbClr val="000000"/>
+              </a:buClr>
+              <a:buSzPts val="2000"/>
+              <a:buAutoNum type="arabicPeriod"/>
+            </a:pPr>
+            <a:r>
+              <a:rPr lang="id-ID" sz="1600" dirty="0">
+                <a:solidFill>
+                  <a:srgbClr val="000000"/>
+                </a:solidFill>
+                <a:latin typeface="Arial"/>
+                <a:cs typeface="Arial"/>
+                <a:sym typeface="Arial"/>
+              </a:rPr>
+              <a:t>Pada November 2022 terjadi sedikit kenaikan pengunjung oleh karena </a:t>
+            </a:r>
+            <a:r>
+              <a:rPr lang="id-ID" sz="1600" b="1" dirty="0">
+                <a:solidFill>
+                  <a:srgbClr val="000000"/>
+                </a:solidFill>
+                <a:latin typeface="Arial"/>
+                <a:cs typeface="Arial"/>
+                <a:sym typeface="Arial"/>
+              </a:rPr>
+              <a:t>adanya promo Medical Check-Up, </a:t>
+            </a:r>
+            <a:r>
+              <a:rPr lang="id-ID" sz="1600" dirty="0">
+                <a:solidFill>
+                  <a:srgbClr val="000000"/>
+                </a:solidFill>
+                <a:latin typeface="Arial"/>
+                <a:cs typeface="Arial"/>
+                <a:sym typeface="Arial"/>
+              </a:rPr>
+              <a:t>sehingga cukup banyak menaikkan jumlah pengunjung. </a:t>
+            </a:r>
+            <a:endParaRPr sz="2000" dirty="0"/>
           </a:p>
         </p:txBody>
       </p:sp>
+      <p:pic>
+        <p:nvPicPr>
+          <p:cNvPr id="5" name="Picture 4">
+            <a:extLst>
+              <a:ext uri="{FF2B5EF4-FFF2-40B4-BE49-F238E27FC236}">
+                <a16:creationId xmlns:a16="http://schemas.microsoft.com/office/drawing/2014/main" id="{4C2AADD0-2723-114E-EB49-77485A17A5FC}"/>
+              </a:ext>
+            </a:extLst>
+          </p:cNvPr>
+          <p:cNvPicPr>
+            <a:picLocks noChangeAspect="1"/>
+          </p:cNvPicPr>
+          <p:nvPr/>
+        </p:nvPicPr>
+        <p:blipFill rotWithShape="1">
+          <a:blip r:embed="rId3"/>
+          <a:srcRect t="3013" b="17796"/>
+          <a:stretch/>
+        </p:blipFill>
+        <p:spPr>
+          <a:xfrm>
+            <a:off x="6332518" y="977438"/>
+            <a:ext cx="5267944" cy="3337386"/>
+          </a:xfrm>
+          <a:prstGeom prst="rect">
+            <a:avLst/>
+          </a:prstGeom>
+        </p:spPr>
+      </p:pic>
+      <p:pic>
+        <p:nvPicPr>
+          <p:cNvPr id="7" name="Picture 6">
+            <a:extLst>
+              <a:ext uri="{FF2B5EF4-FFF2-40B4-BE49-F238E27FC236}">
+                <a16:creationId xmlns:a16="http://schemas.microsoft.com/office/drawing/2014/main" id="{37834495-2CE0-8023-5856-715F633A7CC8}"/>
+              </a:ext>
+            </a:extLst>
+          </p:cNvPr>
+          <p:cNvPicPr>
+            <a:picLocks noChangeAspect="1"/>
+          </p:cNvPicPr>
+          <p:nvPr/>
+        </p:nvPicPr>
+        <p:blipFill>
+          <a:blip r:embed="rId4"/>
+          <a:stretch>
+            <a:fillRect/>
+          </a:stretch>
+        </p:blipFill>
+        <p:spPr>
+          <a:xfrm>
+            <a:off x="6463166" y="4487975"/>
+            <a:ext cx="4462134" cy="1623900"/>
+          </a:xfrm>
+          <a:prstGeom prst="rect">
+            <a:avLst/>
+          </a:prstGeom>
+        </p:spPr>
+      </p:pic>
     </p:spTree>
   </p:cSld>
   <p:clrMapOvr>
@@ -17387,7 +18045,7 @@
 </p:sld>
 </file>
 
-<file path=ppt/slides/slide7.xml><?xml version="1.0" encoding="utf-8"?>
+<file path=ppt/slides/slide9.xml><?xml version="1.0" encoding="utf-8"?>
 <p:sld xmlns:a="http://schemas.openxmlformats.org/drawingml/2006/main" xmlns:r="http://schemas.openxmlformats.org/officeDocument/2006/relationships" xmlns:p="http://schemas.openxmlformats.org/presentationml/2006/main">
   <p:cSld>
     <p:spTree>
